--- a/01-Introduction-into-Course.pptx
+++ b/01-Introduction-into-Course.pptx
@@ -309,7 +309,7 @@
           <a:p>
             <a:fld id="{3EA744D9-3FBE-48D8-BF2A-85DF203E4D20}" type="datetimeFigureOut">
               <a:rPr lang="bg-BG" smtClean="0"/>
-              <a:t>12.7.2015 г.</a:t>
+              <a:t>16.7.2015 г.</a:t>
             </a:fld>
             <a:endParaRPr lang="bg-BG"/>
           </a:p>
@@ -479,7 +479,7 @@
           <a:p>
             <a:fld id="{3EA744D9-3FBE-48D8-BF2A-85DF203E4D20}" type="datetimeFigureOut">
               <a:rPr lang="bg-BG" smtClean="0"/>
-              <a:t>12.7.2015 г.</a:t>
+              <a:t>16.7.2015 г.</a:t>
             </a:fld>
             <a:endParaRPr lang="bg-BG"/>
           </a:p>
@@ -659,7 +659,7 @@
           <a:p>
             <a:fld id="{3EA744D9-3FBE-48D8-BF2A-85DF203E4D20}" type="datetimeFigureOut">
               <a:rPr lang="bg-BG" smtClean="0"/>
-              <a:t>12.7.2015 г.</a:t>
+              <a:t>16.7.2015 г.</a:t>
             </a:fld>
             <a:endParaRPr lang="bg-BG"/>
           </a:p>
@@ -829,7 +829,7 @@
           <a:p>
             <a:fld id="{3EA744D9-3FBE-48D8-BF2A-85DF203E4D20}" type="datetimeFigureOut">
               <a:rPr lang="bg-BG" smtClean="0"/>
-              <a:t>12.7.2015 г.</a:t>
+              <a:t>16.7.2015 г.</a:t>
             </a:fld>
             <a:endParaRPr lang="bg-BG"/>
           </a:p>
@@ -1075,7 +1075,7 @@
           <a:p>
             <a:fld id="{3EA744D9-3FBE-48D8-BF2A-85DF203E4D20}" type="datetimeFigureOut">
               <a:rPr lang="bg-BG" smtClean="0"/>
-              <a:t>12.7.2015 г.</a:t>
+              <a:t>16.7.2015 г.</a:t>
             </a:fld>
             <a:endParaRPr lang="bg-BG"/>
           </a:p>
@@ -1363,7 +1363,7 @@
           <a:p>
             <a:fld id="{3EA744D9-3FBE-48D8-BF2A-85DF203E4D20}" type="datetimeFigureOut">
               <a:rPr lang="bg-BG" smtClean="0"/>
-              <a:t>12.7.2015 г.</a:t>
+              <a:t>16.7.2015 г.</a:t>
             </a:fld>
             <a:endParaRPr lang="bg-BG"/>
           </a:p>
@@ -1785,7 +1785,7 @@
           <a:p>
             <a:fld id="{3EA744D9-3FBE-48D8-BF2A-85DF203E4D20}" type="datetimeFigureOut">
               <a:rPr lang="bg-BG" smtClean="0"/>
-              <a:t>12.7.2015 г.</a:t>
+              <a:t>16.7.2015 г.</a:t>
             </a:fld>
             <a:endParaRPr lang="bg-BG"/>
           </a:p>
@@ -1903,7 +1903,7 @@
           <a:p>
             <a:fld id="{3EA744D9-3FBE-48D8-BF2A-85DF203E4D20}" type="datetimeFigureOut">
               <a:rPr lang="bg-BG" smtClean="0"/>
-              <a:t>12.7.2015 г.</a:t>
+              <a:t>16.7.2015 г.</a:t>
             </a:fld>
             <a:endParaRPr lang="bg-BG"/>
           </a:p>
@@ -1998,7 +1998,7 @@
           <a:p>
             <a:fld id="{3EA744D9-3FBE-48D8-BF2A-85DF203E4D20}" type="datetimeFigureOut">
               <a:rPr lang="bg-BG" smtClean="0"/>
-              <a:t>12.7.2015 г.</a:t>
+              <a:t>16.7.2015 г.</a:t>
             </a:fld>
             <a:endParaRPr lang="bg-BG"/>
           </a:p>
@@ -2275,7 +2275,7 @@
           <a:p>
             <a:fld id="{3EA744D9-3FBE-48D8-BF2A-85DF203E4D20}" type="datetimeFigureOut">
               <a:rPr lang="bg-BG" smtClean="0"/>
-              <a:t>12.7.2015 г.</a:t>
+              <a:t>16.7.2015 г.</a:t>
             </a:fld>
             <a:endParaRPr lang="bg-BG"/>
           </a:p>
@@ -2528,7 +2528,7 @@
           <a:p>
             <a:fld id="{3EA744D9-3FBE-48D8-BF2A-85DF203E4D20}" type="datetimeFigureOut">
               <a:rPr lang="bg-BG" smtClean="0"/>
-              <a:t>12.7.2015 г.</a:t>
+              <a:t>16.7.2015 г.</a:t>
             </a:fld>
             <a:endParaRPr lang="bg-BG"/>
           </a:p>
@@ -2750,7 +2750,7 @@
           <a:p>
             <a:fld id="{3EA744D9-3FBE-48D8-BF2A-85DF203E4D20}" type="datetimeFigureOut">
               <a:rPr lang="bg-BG" smtClean="0"/>
-              <a:t>12.7.2015 г.</a:t>
+              <a:t>16.7.2015 г.</a:t>
             </a:fld>
             <a:endParaRPr lang="bg-BG"/>
           </a:p>
@@ -3141,12 +3141,28 @@
           <a:lstStyle/>
           <a:p>
             <a:r>
-              <a:rPr lang="ru-RU" dirty="0">
+              <a:rPr lang="ru-RU" dirty="0" smtClean="0">
                 <a:solidFill>
                   <a:schemeClr val="accent6"/>
                 </a:solidFill>
               </a:rPr>
-              <a:t>Курс по </a:t>
+              <a:t>Кур</a:t>
+            </a:r>
+            <a:r>
+              <a:rPr lang="bg-BG" smtClean="0">
+                <a:solidFill>
+                  <a:schemeClr val="accent6"/>
+                </a:solidFill>
+              </a:rPr>
+              <a:t>с </a:t>
+            </a:r>
+            <a:r>
+              <a:rPr lang="ru-RU" smtClean="0">
+                <a:solidFill>
+                  <a:schemeClr val="accent6"/>
+                </a:solidFill>
+              </a:rPr>
+              <a:t>по </a:t>
             </a:r>
             <a:r>
               <a:rPr lang="en-US" dirty="0" smtClean="0">
@@ -4010,17 +4026,7 @@
                   </a:schemeClr>
                 </a:solidFill>
               </a:rPr>
-              <a:t>Ванев </a:t>
-            </a:r>
-            <a:r>
-              <a:rPr lang="bg-BG" smtClean="0">
-                <a:solidFill>
-                  <a:schemeClr val="bg1">
-                    <a:lumMod val="95000"/>
-                  </a:schemeClr>
-                </a:solidFill>
-              </a:rPr>
-              <a:t>Гърнев</a:t>
+              <a:t>Ванев Гърнев</a:t>
             </a:r>
             <a:endParaRPr lang="bg-BG" dirty="0">
               <a:solidFill>

--- a/01-Introduction-into-Course.pptx
+++ b/01-Introduction-into-Course.pptx
@@ -3469,9 +3469,6 @@
                 </a:solidFill>
               </a:defRPr>
             </a:pPr>
-            <a:r>
-              <a:t>Всяка понеделник и сряда 19:30 – 22:30 </a:t>
-            </a:r>
           </a:p>
           <a:p>
             <a:pPr>
@@ -3484,7 +3481,7 @@
               </a:defRPr>
             </a:pPr>
             <a:r>
-              <a:t>16. 11. 2015 – 04. 09. 2015 – занимания</a:t>
+              <a:t>Всяка понеделник и сряда 19:30 – 22:30 </a:t>
             </a:r>
           </a:p>
           <a:p>
@@ -3498,7 +3495,7 @@
               </a:defRPr>
             </a:pPr>
             <a:r>
-              <a:t>09. 09. 2015 – подготовка за изпит</a:t>
+              <a:t>занимания</a:t>
             </a:r>
           </a:p>
           <a:p>
@@ -3512,7 +3509,21 @@
               </a:defRPr>
             </a:pPr>
             <a:r>
-              <a:t>11. 09. 2015 – изпит (тест и задача)</a:t>
+              <a:t>подготовка за изпит</a:t>
+            </a:r>
+          </a:p>
+          <a:p>
+            <a:pPr>
+              <a:buFont typeface="Wingdings"/>
+              <a:buChar char="▪"/>
+              <a:defRPr>
+                <a:solidFill>
+                  <a:srgbClr val="F2F2F2"/>
+                </a:solidFill>
+              </a:defRPr>
+            </a:pPr>
+            <a:r>
+              <a:t>изпит (тест и задача)</a:t>
             </a:r>
           </a:p>
         </p:txBody>
